--- a/PW Presentations/cycle de vie commande.pptx
+++ b/PW Presentations/cycle de vie commande.pptx
@@ -104,6 +104,11 @@
       </a:defRPr>
     </a:lvl9pPr>
   </p:defaultTextStyle>
+  <p:extLst>
+    <p:ext uri="{EFAFB233-063F-42B5-8137-9DF3F51BA10A}">
+      <p15:sldGuideLst xmlns:p15="http://schemas.microsoft.com/office/powerpoint/2012/main"/>
+    </p:ext>
+  </p:extLst>
 </p:presentation>
 </file>
 
@@ -238,7 +243,7 @@
           <a:p>
             <a:fld id="{1DE9693D-38CC-8349-BE1C-BB4025B3B651}" type="datetimeFigureOut">
               <a:rPr lang="fr-FR" smtClean="0"/>
-              <a:t>12/05/2021</a:t>
+              <a:t>26/05/2021</a:t>
             </a:fld>
             <a:endParaRPr lang="fr-FR"/>
           </a:p>
@@ -408,7 +413,7 @@
           <a:p>
             <a:fld id="{1DE9693D-38CC-8349-BE1C-BB4025B3B651}" type="datetimeFigureOut">
               <a:rPr lang="fr-FR" smtClean="0"/>
-              <a:t>12/05/2021</a:t>
+              <a:t>26/05/2021</a:t>
             </a:fld>
             <a:endParaRPr lang="fr-FR"/>
           </a:p>
@@ -588,7 +593,7 @@
           <a:p>
             <a:fld id="{1DE9693D-38CC-8349-BE1C-BB4025B3B651}" type="datetimeFigureOut">
               <a:rPr lang="fr-FR" smtClean="0"/>
-              <a:t>12/05/2021</a:t>
+              <a:t>26/05/2021</a:t>
             </a:fld>
             <a:endParaRPr lang="fr-FR"/>
           </a:p>
@@ -758,7 +763,7 @@
           <a:p>
             <a:fld id="{1DE9693D-38CC-8349-BE1C-BB4025B3B651}" type="datetimeFigureOut">
               <a:rPr lang="fr-FR" smtClean="0"/>
-              <a:t>12/05/2021</a:t>
+              <a:t>26/05/2021</a:t>
             </a:fld>
             <a:endParaRPr lang="fr-FR"/>
           </a:p>
@@ -1002,7 +1007,7 @@
           <a:p>
             <a:fld id="{1DE9693D-38CC-8349-BE1C-BB4025B3B651}" type="datetimeFigureOut">
               <a:rPr lang="fr-FR" smtClean="0"/>
-              <a:t>12/05/2021</a:t>
+              <a:t>26/05/2021</a:t>
             </a:fld>
             <a:endParaRPr lang="fr-FR"/>
           </a:p>
@@ -1234,7 +1239,7 @@
           <a:p>
             <a:fld id="{1DE9693D-38CC-8349-BE1C-BB4025B3B651}" type="datetimeFigureOut">
               <a:rPr lang="fr-FR" smtClean="0"/>
-              <a:t>12/05/2021</a:t>
+              <a:t>26/05/2021</a:t>
             </a:fld>
             <a:endParaRPr lang="fr-FR"/>
           </a:p>
@@ -1601,7 +1606,7 @@
           <a:p>
             <a:fld id="{1DE9693D-38CC-8349-BE1C-BB4025B3B651}" type="datetimeFigureOut">
               <a:rPr lang="fr-FR" smtClean="0"/>
-              <a:t>12/05/2021</a:t>
+              <a:t>26/05/2021</a:t>
             </a:fld>
             <a:endParaRPr lang="fr-FR"/>
           </a:p>
@@ -1719,7 +1724,7 @@
           <a:p>
             <a:fld id="{1DE9693D-38CC-8349-BE1C-BB4025B3B651}" type="datetimeFigureOut">
               <a:rPr lang="fr-FR" smtClean="0"/>
-              <a:t>12/05/2021</a:t>
+              <a:t>26/05/2021</a:t>
             </a:fld>
             <a:endParaRPr lang="fr-FR"/>
           </a:p>
@@ -1814,7 +1819,7 @@
           <a:p>
             <a:fld id="{1DE9693D-38CC-8349-BE1C-BB4025B3B651}" type="datetimeFigureOut">
               <a:rPr lang="fr-FR" smtClean="0"/>
-              <a:t>12/05/2021</a:t>
+              <a:t>26/05/2021</a:t>
             </a:fld>
             <a:endParaRPr lang="fr-FR"/>
           </a:p>
@@ -2091,7 +2096,7 @@
           <a:p>
             <a:fld id="{1DE9693D-38CC-8349-BE1C-BB4025B3B651}" type="datetimeFigureOut">
               <a:rPr lang="fr-FR" smtClean="0"/>
-              <a:t>12/05/2021</a:t>
+              <a:t>26/05/2021</a:t>
             </a:fld>
             <a:endParaRPr lang="fr-FR"/>
           </a:p>
@@ -2348,7 +2353,7 @@
           <a:p>
             <a:fld id="{1DE9693D-38CC-8349-BE1C-BB4025B3B651}" type="datetimeFigureOut">
               <a:rPr lang="fr-FR" smtClean="0"/>
-              <a:t>12/05/2021</a:t>
+              <a:t>26/05/2021</a:t>
             </a:fld>
             <a:endParaRPr lang="fr-FR"/>
           </a:p>
@@ -2561,7 +2566,7 @@
           <a:p>
             <a:fld id="{1DE9693D-38CC-8349-BE1C-BB4025B3B651}" type="datetimeFigureOut">
               <a:rPr lang="fr-FR" smtClean="0"/>
-              <a:t>12/05/2021</a:t>
+              <a:t>26/05/2021</a:t>
             </a:fld>
             <a:endParaRPr lang="fr-FR"/>
           </a:p>
@@ -2968,10 +2973,10 @@
       </p:grpSpPr>
       <p:pic>
         <p:nvPicPr>
-          <p:cNvPr id="5" name="Image 4">
+          <p:cNvPr id="3" name="Image 2" descr="Une image contenant texte, capture d’écran, moniteur, noir&#10;&#10;Description générée automatiquement">
             <a:extLst>
               <a:ext uri="{FF2B5EF4-FFF2-40B4-BE49-F238E27FC236}">
-                <a16:creationId xmlns:a16="http://schemas.microsoft.com/office/drawing/2014/main" id="{8A383E9C-BCAE-0143-A4A9-6D6DC8C5E883}"/>
+                <a16:creationId xmlns:a16="http://schemas.microsoft.com/office/drawing/2014/main" id="{64C68295-4394-984B-9F62-21191C0EE093}"/>
               </a:ext>
             </a:extLst>
           </p:cNvPr>
@@ -2980,15 +2985,16 @@
           </p:cNvPicPr>
           <p:nvPr/>
         </p:nvPicPr>
-        <p:blipFill rotWithShape="1">
+        <p:blipFill>
           <a:blip r:embed="rId2"/>
-          <a:srcRect l="11214" r="12583" b="18642"/>
-          <a:stretch/>
+          <a:stretch>
+            <a:fillRect/>
+          </a:stretch>
         </p:blipFill>
         <p:spPr>
           <a:xfrm>
-            <a:off x="679288" y="370609"/>
-            <a:ext cx="5499423" cy="11450782"/>
+            <a:off x="1168400" y="184150"/>
+            <a:ext cx="4521200" cy="11823700"/>
           </a:xfrm>
           <a:prstGeom prst="rect">
             <a:avLst/>
